--- a/IoT eszközök.pptx
+++ b/IoT eszközök.pptx
@@ -107,6 +107,11 @@
       </a:defRPr>
     </a:lvl9pPr>
   </p:defaultTextStyle>
+  <p:extLst>
+    <p:ext uri="{EFAFB233-063F-42B5-8137-9DF3F51BA10A}">
+      <p15:sldGuideLst xmlns:p15="http://schemas.microsoft.com/office/powerpoint/2012/main"/>
+    </p:ext>
+  </p:extLst>
 </p:presentation>
 </file>
 
@@ -296,7 +301,7 @@
           <a:p>
             <a:fld id="{676CF78D-E878-4736-99D8-E8B830B393FB}" type="datetimeFigureOut">
               <a:rPr lang="hu-HU" smtClean="0"/>
-              <a:t>2021. 10. 18.</a:t>
+              <a:t>2021. 12. 09.</a:t>
             </a:fld>
             <a:endParaRPr lang="hu-HU"/>
           </a:p>
@@ -571,7 +576,7 @@
           <a:p>
             <a:fld id="{676CF78D-E878-4736-99D8-E8B830B393FB}" type="datetimeFigureOut">
               <a:rPr lang="hu-HU" smtClean="0"/>
-              <a:t>2021. 10. 18.</a:t>
+              <a:t>2021. 12. 09.</a:t>
             </a:fld>
             <a:endParaRPr lang="hu-HU"/>
           </a:p>
@@ -765,7 +770,7 @@
           <a:p>
             <a:fld id="{676CF78D-E878-4736-99D8-E8B830B393FB}" type="datetimeFigureOut">
               <a:rPr lang="hu-HU" smtClean="0"/>
-              <a:t>2021. 10. 18.</a:t>
+              <a:t>2021. 12. 09.</a:t>
             </a:fld>
             <a:endParaRPr lang="hu-HU"/>
           </a:p>
@@ -1038,7 +1043,7 @@
           <a:p>
             <a:fld id="{676CF78D-E878-4736-99D8-E8B830B393FB}" type="datetimeFigureOut">
               <a:rPr lang="hu-HU" smtClean="0"/>
-              <a:t>2021. 10. 18.</a:t>
+              <a:t>2021. 12. 09.</a:t>
             </a:fld>
             <a:endParaRPr lang="hu-HU"/>
           </a:p>
@@ -1379,7 +1384,7 @@
           <a:p>
             <a:fld id="{676CF78D-E878-4736-99D8-E8B830B393FB}" type="datetimeFigureOut">
               <a:rPr lang="hu-HU" smtClean="0"/>
-              <a:t>2021. 10. 18.</a:t>
+              <a:t>2021. 12. 09.</a:t>
             </a:fld>
             <a:endParaRPr lang="hu-HU"/>
           </a:p>
@@ -2002,7 +2007,7 @@
           <a:p>
             <a:fld id="{676CF78D-E878-4736-99D8-E8B830B393FB}" type="datetimeFigureOut">
               <a:rPr lang="hu-HU" smtClean="0"/>
-              <a:t>2021. 10. 18.</a:t>
+              <a:t>2021. 12. 09.</a:t>
             </a:fld>
             <a:endParaRPr lang="hu-HU"/>
           </a:p>
@@ -2862,7 +2867,7 @@
           <a:p>
             <a:fld id="{676CF78D-E878-4736-99D8-E8B830B393FB}" type="datetimeFigureOut">
               <a:rPr lang="hu-HU" smtClean="0"/>
-              <a:t>2021. 10. 18.</a:t>
+              <a:t>2021. 12. 09.</a:t>
             </a:fld>
             <a:endParaRPr lang="hu-HU"/>
           </a:p>
@@ -3032,7 +3037,7 @@
           <a:p>
             <a:fld id="{676CF78D-E878-4736-99D8-E8B830B393FB}" type="datetimeFigureOut">
               <a:rPr lang="hu-HU" smtClean="0"/>
-              <a:t>2021. 10. 18.</a:t>
+              <a:t>2021. 12. 09.</a:t>
             </a:fld>
             <a:endParaRPr lang="hu-HU"/>
           </a:p>
@@ -3212,7 +3217,7 @@
           <a:p>
             <a:fld id="{676CF78D-E878-4736-99D8-E8B830B393FB}" type="datetimeFigureOut">
               <a:rPr lang="hu-HU" smtClean="0"/>
-              <a:t>2021. 10. 18.</a:t>
+              <a:t>2021. 12. 09.</a:t>
             </a:fld>
             <a:endParaRPr lang="hu-HU"/>
           </a:p>
@@ -3382,7 +3387,7 @@
           <a:p>
             <a:fld id="{676CF78D-E878-4736-99D8-E8B830B393FB}" type="datetimeFigureOut">
               <a:rPr lang="hu-HU" smtClean="0"/>
-              <a:t>2021. 10. 18.</a:t>
+              <a:t>2021. 12. 09.</a:t>
             </a:fld>
             <a:endParaRPr lang="hu-HU"/>
           </a:p>
@@ -3629,7 +3634,7 @@
           <a:p>
             <a:fld id="{676CF78D-E878-4736-99D8-E8B830B393FB}" type="datetimeFigureOut">
               <a:rPr lang="hu-HU" smtClean="0"/>
-              <a:t>2021. 10. 18.</a:t>
+              <a:t>2021. 12. 09.</a:t>
             </a:fld>
             <a:endParaRPr lang="hu-HU"/>
           </a:p>
@@ -3921,7 +3926,7 @@
           <a:p>
             <a:fld id="{676CF78D-E878-4736-99D8-E8B830B393FB}" type="datetimeFigureOut">
               <a:rPr lang="hu-HU" smtClean="0"/>
-              <a:t>2021. 10. 18.</a:t>
+              <a:t>2021. 12. 09.</a:t>
             </a:fld>
             <a:endParaRPr lang="hu-HU"/>
           </a:p>
@@ -4365,7 +4370,7 @@
           <a:p>
             <a:fld id="{676CF78D-E878-4736-99D8-E8B830B393FB}" type="datetimeFigureOut">
               <a:rPr lang="hu-HU" smtClean="0"/>
-              <a:t>2021. 10. 18.</a:t>
+              <a:t>2021. 12. 09.</a:t>
             </a:fld>
             <a:endParaRPr lang="hu-HU"/>
           </a:p>
@@ -4483,7 +4488,7 @@
           <a:p>
             <a:fld id="{676CF78D-E878-4736-99D8-E8B830B393FB}" type="datetimeFigureOut">
               <a:rPr lang="hu-HU" smtClean="0"/>
-              <a:t>2021. 10. 18.</a:t>
+              <a:t>2021. 12. 09.</a:t>
             </a:fld>
             <a:endParaRPr lang="hu-HU"/>
           </a:p>
@@ -4578,7 +4583,7 @@
           <a:p>
             <a:fld id="{676CF78D-E878-4736-99D8-E8B830B393FB}" type="datetimeFigureOut">
               <a:rPr lang="hu-HU" smtClean="0"/>
-              <a:t>2021. 10. 18.</a:t>
+              <a:t>2021. 12. 09.</a:t>
             </a:fld>
             <a:endParaRPr lang="hu-HU"/>
           </a:p>
@@ -4857,7 +4862,7 @@
           <a:p>
             <a:fld id="{676CF78D-E878-4736-99D8-E8B830B393FB}" type="datetimeFigureOut">
               <a:rPr lang="hu-HU" smtClean="0"/>
-              <a:t>2021. 10. 18.</a:t>
+              <a:t>2021. 12. 09.</a:t>
             </a:fld>
             <a:endParaRPr lang="hu-HU"/>
           </a:p>
@@ -5132,7 +5137,7 @@
           <a:p>
             <a:fld id="{676CF78D-E878-4736-99D8-E8B830B393FB}" type="datetimeFigureOut">
               <a:rPr lang="hu-HU" smtClean="0"/>
-              <a:t>2021. 10. 18.</a:t>
+              <a:t>2021. 12. 09.</a:t>
             </a:fld>
             <a:endParaRPr lang="hu-HU"/>
           </a:p>
@@ -5561,7 +5566,7 @@
           <a:p>
             <a:fld id="{676CF78D-E878-4736-99D8-E8B830B393FB}" type="datetimeFigureOut">
               <a:rPr lang="hu-HU" smtClean="0"/>
-              <a:t>2021. 10. 18.</a:t>
+              <a:t>2021. 12. 09.</a:t>
             </a:fld>
             <a:endParaRPr lang="hu-HU"/>
           </a:p>
@@ -6212,6 +6217,38 @@
           <a:bodyPr/>
           <a:lstStyle/>
           <a:p>
+            <a:r>
+              <a:rPr lang="hu-HU" b="1" dirty="0"/>
+              <a:t>Az IOT (Internet of </a:t>
+            </a:r>
+            <a:r>
+              <a:rPr lang="hu-HU" b="1" dirty="0" err="1"/>
+              <a:t>Things</a:t>
+            </a:r>
+            <a:r>
+              <a:rPr lang="hu-HU" b="1" dirty="0"/>
+              <a:t> - Dolgok Internete) egy igen divatos kifejezés, ami </a:t>
+            </a:r>
+            <a:r>
+              <a:rPr lang="hu-HU" b="1" dirty="0" err="1"/>
+              <a:t>sokmindent</a:t>
+            </a:r>
+            <a:r>
+              <a:rPr lang="hu-HU" b="1" dirty="0"/>
+              <a:t> jelenthet. Ennek a technológiának a lehetősége a mesterséges intelligenciát alkalmazó eszközökkel kombinálva a negyedik ipari forradalom körüli </a:t>
+            </a:r>
+            <a:r>
+              <a:rPr lang="hu-HU" b="1" dirty="0" err="1"/>
+              <a:t>hype</a:t>
+            </a:r>
+            <a:r>
+              <a:rPr lang="hu-HU" b="1" dirty="0"/>
+              <a:t> egyik fő mozgatórugója. </a:t>
+            </a:r>
+            <a:r>
+              <a:rPr lang="hu-HU" b="1"/>
+              <a:t>Ebben a cikkben szakértői oldalról, de érthetően mutatjuk be, miről is szól ez az egész, és mire lehet számítani üzleti innováció területén ebben a témában.</a:t>
+            </a:r>
             <a:endParaRPr lang="hu-HU"/>
           </a:p>
         </p:txBody>
